--- a/docs/Tutorial Overview.pptx
+++ b/docs/Tutorial Overview.pptx
@@ -263,7 +263,7 @@
           <a:p>
             <a:fld id="{E4C937FF-37C2-4B54-ADCD-0BB0E40C390C}" type="datetimeFigureOut">
               <a:rPr lang="en-GB" smtClean="0"/>
-              <a:t>25/05/2022</a:t>
+              <a:t>26/05/2022</a:t>
             </a:fld>
             <a:endParaRPr lang="en-GB"/>
           </a:p>
@@ -463,7 +463,7 @@
           <a:p>
             <a:fld id="{E4C937FF-37C2-4B54-ADCD-0BB0E40C390C}" type="datetimeFigureOut">
               <a:rPr lang="en-GB" smtClean="0"/>
-              <a:t>25/05/2022</a:t>
+              <a:t>26/05/2022</a:t>
             </a:fld>
             <a:endParaRPr lang="en-GB"/>
           </a:p>
@@ -673,7 +673,7 @@
           <a:p>
             <a:fld id="{E4C937FF-37C2-4B54-ADCD-0BB0E40C390C}" type="datetimeFigureOut">
               <a:rPr lang="en-GB" smtClean="0"/>
-              <a:t>25/05/2022</a:t>
+              <a:t>26/05/2022</a:t>
             </a:fld>
             <a:endParaRPr lang="en-GB"/>
           </a:p>
@@ -873,7 +873,7 @@
           <a:p>
             <a:fld id="{E4C937FF-37C2-4B54-ADCD-0BB0E40C390C}" type="datetimeFigureOut">
               <a:rPr lang="en-GB" smtClean="0"/>
-              <a:t>25/05/2022</a:t>
+              <a:t>26/05/2022</a:t>
             </a:fld>
             <a:endParaRPr lang="en-GB"/>
           </a:p>
@@ -1149,7 +1149,7 @@
           <a:p>
             <a:fld id="{E4C937FF-37C2-4B54-ADCD-0BB0E40C390C}" type="datetimeFigureOut">
               <a:rPr lang="en-GB" smtClean="0"/>
-              <a:t>25/05/2022</a:t>
+              <a:t>26/05/2022</a:t>
             </a:fld>
             <a:endParaRPr lang="en-GB"/>
           </a:p>
@@ -1417,7 +1417,7 @@
           <a:p>
             <a:fld id="{E4C937FF-37C2-4B54-ADCD-0BB0E40C390C}" type="datetimeFigureOut">
               <a:rPr lang="en-GB" smtClean="0"/>
-              <a:t>25/05/2022</a:t>
+              <a:t>26/05/2022</a:t>
             </a:fld>
             <a:endParaRPr lang="en-GB"/>
           </a:p>
@@ -1832,7 +1832,7 @@
           <a:p>
             <a:fld id="{E4C937FF-37C2-4B54-ADCD-0BB0E40C390C}" type="datetimeFigureOut">
               <a:rPr lang="en-GB" smtClean="0"/>
-              <a:t>25/05/2022</a:t>
+              <a:t>26/05/2022</a:t>
             </a:fld>
             <a:endParaRPr lang="en-GB"/>
           </a:p>
@@ -1974,7 +1974,7 @@
           <a:p>
             <a:fld id="{E4C937FF-37C2-4B54-ADCD-0BB0E40C390C}" type="datetimeFigureOut">
               <a:rPr lang="en-GB" smtClean="0"/>
-              <a:t>25/05/2022</a:t>
+              <a:t>26/05/2022</a:t>
             </a:fld>
             <a:endParaRPr lang="en-GB"/>
           </a:p>
@@ -2087,7 +2087,7 @@
           <a:p>
             <a:fld id="{E4C937FF-37C2-4B54-ADCD-0BB0E40C390C}" type="datetimeFigureOut">
               <a:rPr lang="en-GB" smtClean="0"/>
-              <a:t>25/05/2022</a:t>
+              <a:t>26/05/2022</a:t>
             </a:fld>
             <a:endParaRPr lang="en-GB"/>
           </a:p>
@@ -2400,7 +2400,7 @@
           <a:p>
             <a:fld id="{E4C937FF-37C2-4B54-ADCD-0BB0E40C390C}" type="datetimeFigureOut">
               <a:rPr lang="en-GB" smtClean="0"/>
-              <a:t>25/05/2022</a:t>
+              <a:t>26/05/2022</a:t>
             </a:fld>
             <a:endParaRPr lang="en-GB"/>
           </a:p>
@@ -2689,7 +2689,7 @@
           <a:p>
             <a:fld id="{E4C937FF-37C2-4B54-ADCD-0BB0E40C390C}" type="datetimeFigureOut">
               <a:rPr lang="en-GB" smtClean="0"/>
-              <a:t>25/05/2022</a:t>
+              <a:t>26/05/2022</a:t>
             </a:fld>
             <a:endParaRPr lang="en-GB"/>
           </a:p>
@@ -2932,7 +2932,7 @@
           <a:p>
             <a:fld id="{E4C937FF-37C2-4B54-ADCD-0BB0E40C390C}" type="datetimeFigureOut">
               <a:rPr lang="en-GB" smtClean="0"/>
-              <a:t>25/05/2022</a:t>
+              <a:t>26/05/2022</a:t>
             </a:fld>
             <a:endParaRPr lang="en-GB"/>
           </a:p>
@@ -3926,11 +3926,25 @@
           <a:lstStyle/>
           <a:p>
             <a:r>
+              <a:rPr lang="en-GB" sz="2000" b="1" dirty="0">
+                <a:latin typeface="Courier New" panose="02070309020205020404" pitchFamily="49" charset="0"/>
+                <a:cs typeface="Courier New" panose="02070309020205020404" pitchFamily="49" charset="0"/>
+              </a:rPr>
+              <a:t>E</a:t>
+            </a:r>
+            <a:r>
+              <a:rPr lang="en-GB" sz="2000" b="1">
+                <a:latin typeface="Courier New" panose="02070309020205020404" pitchFamily="49" charset="0"/>
+                <a:cs typeface="Courier New" panose="02070309020205020404" pitchFamily="49" charset="0"/>
+              </a:rPr>
+              <a:t>xtras</a:t>
+            </a:r>
+            <a:r>
               <a:rPr lang="en-GB" sz="2000" b="1" dirty="0" err="1">
                 <a:latin typeface="Courier New" panose="02070309020205020404" pitchFamily="49" charset="0"/>
                 <a:cs typeface="Courier New" panose="02070309020205020404" pitchFamily="49" charset="0"/>
               </a:rPr>
-              <a:t>extras.Rmd</a:t>
+              <a:t>.Rmd</a:t>
             </a:r>
             <a:endParaRPr lang="en-GB" sz="2000" b="1" dirty="0">
               <a:latin typeface="Courier New" panose="02070309020205020404" pitchFamily="49" charset="0"/>
